--- a/Week12/Week 12 - 01. Unit Testing.pptx
+++ b/Week12/Week 12 - 01. Unit Testing.pptx
@@ -119,6 +119,95 @@
 </p:presentation>
 </file>
 
+<file path=ppt/changesInfos/changesInfo1.xml><?xml version="1.0" encoding="utf-8"?>
+<pc:chgInfo xmlns:a="http://schemas.openxmlformats.org/drawingml/2006/main" xmlns:r="http://schemas.openxmlformats.org/officeDocument/2006/relationships" xmlns:ac="http://schemas.microsoft.com/office/drawing/2013/main/command" xmlns:pc="http://schemas.microsoft.com/office/powerpoint/2013/main/command">
+  <pc:docChgLst>
+    <pc:chgData name="Chuck Kiefriter" userId="a996b49251c4dfd2" providerId="LiveId" clId="{ED8BE510-6C64-4890-946C-DC55BF82FC2C}"/>
+    <pc:docChg chg="modSld">
+      <pc:chgData name="Chuck Kiefriter" userId="a996b49251c4dfd2" providerId="LiveId" clId="{ED8BE510-6C64-4890-946C-DC55BF82FC2C}" dt="2024-03-06T00:56:39.803" v="4" actId="14100"/>
+      <pc:docMkLst>
+        <pc:docMk/>
+      </pc:docMkLst>
+      <pc:sldChg chg="modSp mod">
+        <pc:chgData name="Chuck Kiefriter" userId="a996b49251c4dfd2" providerId="LiveId" clId="{ED8BE510-6C64-4890-946C-DC55BF82FC2C}" dt="2024-03-05T22:06:54.975" v="0" actId="14100"/>
+        <pc:sldMkLst>
+          <pc:docMk/>
+          <pc:sldMk cId="552002322" sldId="257"/>
+        </pc:sldMkLst>
+        <pc:spChg chg="mod">
+          <ac:chgData name="Chuck Kiefriter" userId="a996b49251c4dfd2" providerId="LiveId" clId="{ED8BE510-6C64-4890-946C-DC55BF82FC2C}" dt="2024-03-05T22:06:54.975" v="0" actId="14100"/>
+          <ac:spMkLst>
+            <pc:docMk/>
+            <pc:sldMk cId="552002322" sldId="257"/>
+            <ac:spMk id="3" creationId="{B94A7AC7-BD87-4D97-A0BE-230ECF667C8D}"/>
+          </ac:spMkLst>
+        </pc:spChg>
+      </pc:sldChg>
+      <pc:sldChg chg="modSp mod">
+        <pc:chgData name="Chuck Kiefriter" userId="a996b49251c4dfd2" providerId="LiveId" clId="{ED8BE510-6C64-4890-946C-DC55BF82FC2C}" dt="2024-03-05T22:07:18.002" v="1" actId="14100"/>
+        <pc:sldMkLst>
+          <pc:docMk/>
+          <pc:sldMk cId="913516080" sldId="258"/>
+        </pc:sldMkLst>
+        <pc:spChg chg="mod">
+          <ac:chgData name="Chuck Kiefriter" userId="a996b49251c4dfd2" providerId="LiveId" clId="{ED8BE510-6C64-4890-946C-DC55BF82FC2C}" dt="2024-03-05T22:07:18.002" v="1" actId="14100"/>
+          <ac:spMkLst>
+            <pc:docMk/>
+            <pc:sldMk cId="913516080" sldId="258"/>
+            <ac:spMk id="3" creationId="{DE978B78-4EE8-4EF8-9AA4-DA4AC8EAA430}"/>
+          </ac:spMkLst>
+        </pc:spChg>
+      </pc:sldChg>
+      <pc:sldChg chg="modSp mod">
+        <pc:chgData name="Chuck Kiefriter" userId="a996b49251c4dfd2" providerId="LiveId" clId="{ED8BE510-6C64-4890-946C-DC55BF82FC2C}" dt="2024-03-05T22:07:40.450" v="2" actId="14100"/>
+        <pc:sldMkLst>
+          <pc:docMk/>
+          <pc:sldMk cId="104339557" sldId="260"/>
+        </pc:sldMkLst>
+        <pc:spChg chg="mod">
+          <ac:chgData name="Chuck Kiefriter" userId="a996b49251c4dfd2" providerId="LiveId" clId="{ED8BE510-6C64-4890-946C-DC55BF82FC2C}" dt="2024-03-05T22:07:40.450" v="2" actId="14100"/>
+          <ac:spMkLst>
+            <pc:docMk/>
+            <pc:sldMk cId="104339557" sldId="260"/>
+            <ac:spMk id="3" creationId="{846F491F-88DE-40B3-8D38-92F8BB901A37}"/>
+          </ac:spMkLst>
+        </pc:spChg>
+      </pc:sldChg>
+      <pc:sldChg chg="modSp mod">
+        <pc:chgData name="Chuck Kiefriter" userId="a996b49251c4dfd2" providerId="LiveId" clId="{ED8BE510-6C64-4890-946C-DC55BF82FC2C}" dt="2024-03-05T22:08:27.706" v="3" actId="14100"/>
+        <pc:sldMkLst>
+          <pc:docMk/>
+          <pc:sldMk cId="4191197354" sldId="262"/>
+        </pc:sldMkLst>
+        <pc:spChg chg="mod">
+          <ac:chgData name="Chuck Kiefriter" userId="a996b49251c4dfd2" providerId="LiveId" clId="{ED8BE510-6C64-4890-946C-DC55BF82FC2C}" dt="2024-03-05T22:08:27.706" v="3" actId="14100"/>
+          <ac:spMkLst>
+            <pc:docMk/>
+            <pc:sldMk cId="4191197354" sldId="262"/>
+            <ac:spMk id="3" creationId="{1E7DFD4A-E9D9-40C6-A5BC-DFB5B54F04B4}"/>
+          </ac:spMkLst>
+        </pc:spChg>
+      </pc:sldChg>
+      <pc:sldChg chg="modSp mod">
+        <pc:chgData name="Chuck Kiefriter" userId="a996b49251c4dfd2" providerId="LiveId" clId="{ED8BE510-6C64-4890-946C-DC55BF82FC2C}" dt="2024-03-06T00:56:39.803" v="4" actId="14100"/>
+        <pc:sldMkLst>
+          <pc:docMk/>
+          <pc:sldMk cId="3662957125" sldId="263"/>
+        </pc:sldMkLst>
+        <pc:spChg chg="mod">
+          <ac:chgData name="Chuck Kiefriter" userId="a996b49251c4dfd2" providerId="LiveId" clId="{ED8BE510-6C64-4890-946C-DC55BF82FC2C}" dt="2024-03-06T00:56:39.803" v="4" actId="14100"/>
+          <ac:spMkLst>
+            <pc:docMk/>
+            <pc:sldMk cId="3662957125" sldId="263"/>
+            <ac:spMk id="3" creationId="{D5F6C126-2DE1-4484-A027-583E6FC886CA}"/>
+          </ac:spMkLst>
+        </pc:spChg>
+      </pc:sldChg>
+    </pc:docChg>
+  </pc:docChgLst>
+</pc:chgInfo>
+</file>
+
 <file path=ppt/slideLayouts/slideLayout1.xml><?xml version="1.0" encoding="utf-8"?>
 <p:sldLayout xmlns:a="http://schemas.openxmlformats.org/drawingml/2006/main" xmlns:r="http://schemas.openxmlformats.org/officeDocument/2006/relationships" xmlns:p="http://schemas.openxmlformats.org/presentationml/2006/main" showMasterSp="0" type="title" preserve="1">
   <p:cSld name="Title Slide">
@@ -315,7 +404,7 @@
           <a:p>
             <a:fld id="{548C5E67-172B-4F6A-B3B9-DEF72F952E5B}" type="datetimeFigureOut">
               <a:rPr lang="en-US" smtClean="0"/>
-              <a:t>8/8/2021</a:t>
+              <a:t>3/5/2024</a:t>
             </a:fld>
             <a:endParaRPr lang="en-US"/>
           </a:p>
@@ -539,7 +628,7 @@
           <a:p>
             <a:fld id="{548C5E67-172B-4F6A-B3B9-DEF72F952E5B}" type="datetimeFigureOut">
               <a:rPr lang="en-US" smtClean="0"/>
-              <a:t>8/8/2021</a:t>
+              <a:t>3/5/2024</a:t>
             </a:fld>
             <a:endParaRPr lang="en-US"/>
           </a:p>
@@ -719,7 +808,7 @@
           <a:p>
             <a:fld id="{548C5E67-172B-4F6A-B3B9-DEF72F952E5B}" type="datetimeFigureOut">
               <a:rPr lang="en-US" smtClean="0"/>
-              <a:t>8/8/2021</a:t>
+              <a:t>3/5/2024</a:t>
             </a:fld>
             <a:endParaRPr lang="en-US"/>
           </a:p>
@@ -928,7 +1017,7 @@
           <a:p>
             <a:fld id="{548C5E67-172B-4F6A-B3B9-DEF72F952E5B}" type="datetimeFigureOut">
               <a:rPr lang="en-US" smtClean="0"/>
-              <a:t>8/8/2021</a:t>
+              <a:t>3/5/2024</a:t>
             </a:fld>
             <a:endParaRPr lang="en-US"/>
           </a:p>
@@ -1221,7 +1310,7 @@
           <a:p>
             <a:fld id="{548C5E67-172B-4F6A-B3B9-DEF72F952E5B}" type="datetimeFigureOut">
               <a:rPr lang="en-US" smtClean="0"/>
-              <a:t>8/8/2021</a:t>
+              <a:t>3/5/2024</a:t>
             </a:fld>
             <a:endParaRPr lang="en-US"/>
           </a:p>
@@ -1574,7 +1663,7 @@
           <a:p>
             <a:fld id="{548C5E67-172B-4F6A-B3B9-DEF72F952E5B}" type="datetimeFigureOut">
               <a:rPr lang="en-US" smtClean="0"/>
-              <a:t>8/8/2021</a:t>
+              <a:t>3/5/2024</a:t>
             </a:fld>
             <a:endParaRPr lang="en-US"/>
           </a:p>
@@ -2010,7 +2099,7 @@
           <a:p>
             <a:fld id="{548C5E67-172B-4F6A-B3B9-DEF72F952E5B}" type="datetimeFigureOut">
               <a:rPr lang="en-US" smtClean="0"/>
-              <a:t>8/8/2021</a:t>
+              <a:t>3/5/2024</a:t>
             </a:fld>
             <a:endParaRPr lang="en-US"/>
           </a:p>
@@ -2133,7 +2222,7 @@
           <a:p>
             <a:fld id="{548C5E67-172B-4F6A-B3B9-DEF72F952E5B}" type="datetimeFigureOut">
               <a:rPr lang="en-US" smtClean="0"/>
-              <a:t>8/8/2021</a:t>
+              <a:t>3/5/2024</a:t>
             </a:fld>
             <a:endParaRPr lang="en-US"/>
           </a:p>
@@ -2228,7 +2317,7 @@
           <a:p>
             <a:fld id="{548C5E67-172B-4F6A-B3B9-DEF72F952E5B}" type="datetimeFigureOut">
               <a:rPr lang="en-US" smtClean="0"/>
-              <a:t>8/8/2021</a:t>
+              <a:t>3/5/2024</a:t>
             </a:fld>
             <a:endParaRPr lang="en-US"/>
           </a:p>
@@ -2527,7 +2616,7 @@
           <a:p>
             <a:fld id="{548C5E67-172B-4F6A-B3B9-DEF72F952E5B}" type="datetimeFigureOut">
               <a:rPr lang="en-US" smtClean="0"/>
-              <a:t>8/8/2021</a:t>
+              <a:t>3/5/2024</a:t>
             </a:fld>
             <a:endParaRPr lang="en-US"/>
           </a:p>
@@ -2804,7 +2893,7 @@
           <a:p>
             <a:fld id="{548C5E67-172B-4F6A-B3B9-DEF72F952E5B}" type="datetimeFigureOut">
               <a:rPr lang="en-US" smtClean="0"/>
-              <a:t>8/8/2021</a:t>
+              <a:t>3/5/2024</a:t>
             </a:fld>
             <a:endParaRPr lang="en-US"/>
           </a:p>
@@ -3054,7 +3143,7 @@
           <a:p>
             <a:fld id="{548C5E67-172B-4F6A-B3B9-DEF72F952E5B}" type="datetimeFigureOut">
               <a:rPr lang="en-US" smtClean="0"/>
-              <a:t>8/8/2021</a:t>
+              <a:t>3/5/2024</a:t>
             </a:fld>
             <a:endParaRPr lang="en-US"/>
           </a:p>
@@ -3678,7 +3767,12 @@
             <p:ph idx="1"/>
           </p:nvPr>
         </p:nvSpPr>
-        <p:spPr/>
+        <p:spPr>
+          <a:xfrm>
+            <a:off x="1261872" y="1828800"/>
+            <a:ext cx="9509760" cy="4351337"/>
+          </a:xfrm>
+        </p:spPr>
         <p:txBody>
           <a:bodyPr/>
           <a:lstStyle/>
@@ -3785,7 +3879,7 @@
         <p:spPr>
           <a:xfrm>
             <a:off x="1103312" y="2052918"/>
-            <a:ext cx="6093554" cy="4195481"/>
+            <a:ext cx="9942640" cy="4195481"/>
           </a:xfrm>
         </p:spPr>
         <p:txBody>
@@ -3916,7 +4010,7 @@
         <p:spPr>
           <a:xfrm>
             <a:off x="1261872" y="1828800"/>
-            <a:ext cx="6143480" cy="4351337"/>
+            <a:ext cx="10012680" cy="4351337"/>
           </a:xfrm>
         </p:spPr>
         <p:txBody>
@@ -4238,7 +4332,7 @@
         <p:spPr>
           <a:xfrm>
             <a:off x="579550" y="1493950"/>
-            <a:ext cx="6400800" cy="4686188"/>
+            <a:ext cx="10374962" cy="4686188"/>
           </a:xfrm>
         </p:spPr>
         <p:txBody>
@@ -4590,7 +4684,12 @@
             <p:ph idx="1"/>
           </p:nvPr>
         </p:nvSpPr>
-        <p:spPr/>
+        <p:spPr>
+          <a:xfrm>
+            <a:off x="1261872" y="1828800"/>
+            <a:ext cx="9226296" cy="4351337"/>
+          </a:xfrm>
+        </p:spPr>
         <p:txBody>
           <a:bodyPr/>
           <a:lstStyle/>

--- a/Week12/Week 12 - 01. Unit Testing.pptx
+++ b/Week12/Week 12 - 01. Unit Testing.pptx
@@ -119,6 +119,14 @@
 </p:presentation>
 </file>
 
+<file path=ppt/revisionInfo.xml><?xml version="1.0" encoding="utf-8"?>
+<p1510:revInfo xmlns:a="http://schemas.openxmlformats.org/drawingml/2006/main" xmlns:r="http://schemas.openxmlformats.org/officeDocument/2006/relationships" xmlns:p1510="http://schemas.microsoft.com/office/powerpoint/2015/10/main">
+  <p1510:revLst>
+    <p1510:client id="{0570B0FF-AB5C-45D2-90A5-CBA45CEF9195}" v="1" dt="2025-06-19T23:56:53.982"/>
+  </p1510:revLst>
+</p1510:revInfo>
+</file>
+
 <file path=ppt/changesInfos/changesInfo1.xml><?xml version="1.0" encoding="utf-8"?>
 <pc:chgInfo xmlns:a="http://schemas.openxmlformats.org/drawingml/2006/main" xmlns:r="http://schemas.openxmlformats.org/officeDocument/2006/relationships" xmlns:ac="http://schemas.microsoft.com/office/drawing/2013/main/command" xmlns:pc="http://schemas.microsoft.com/office/powerpoint/2013/main/command">
   <pc:docChgLst>
@@ -134,14 +142,6 @@
           <pc:docMk/>
           <pc:sldMk cId="552002322" sldId="257"/>
         </pc:sldMkLst>
-        <pc:spChg chg="mod">
-          <ac:chgData name="Chuck Kiefriter" userId="a996b49251c4dfd2" providerId="LiveId" clId="{ED8BE510-6C64-4890-946C-DC55BF82FC2C}" dt="2024-03-05T22:06:54.975" v="0" actId="14100"/>
-          <ac:spMkLst>
-            <pc:docMk/>
-            <pc:sldMk cId="552002322" sldId="257"/>
-            <ac:spMk id="3" creationId="{B94A7AC7-BD87-4D97-A0BE-230ECF667C8D}"/>
-          </ac:spMkLst>
-        </pc:spChg>
       </pc:sldChg>
       <pc:sldChg chg="modSp mod">
         <pc:chgData name="Chuck Kiefriter" userId="a996b49251c4dfd2" providerId="LiveId" clId="{ED8BE510-6C64-4890-946C-DC55BF82FC2C}" dt="2024-03-05T22:07:18.002" v="1" actId="14100"/>
@@ -149,14 +149,6 @@
           <pc:docMk/>
           <pc:sldMk cId="913516080" sldId="258"/>
         </pc:sldMkLst>
-        <pc:spChg chg="mod">
-          <ac:chgData name="Chuck Kiefriter" userId="a996b49251c4dfd2" providerId="LiveId" clId="{ED8BE510-6C64-4890-946C-DC55BF82FC2C}" dt="2024-03-05T22:07:18.002" v="1" actId="14100"/>
-          <ac:spMkLst>
-            <pc:docMk/>
-            <pc:sldMk cId="913516080" sldId="258"/>
-            <ac:spMk id="3" creationId="{DE978B78-4EE8-4EF8-9AA4-DA4AC8EAA430}"/>
-          </ac:spMkLst>
-        </pc:spChg>
       </pc:sldChg>
       <pc:sldChg chg="modSp mod">
         <pc:chgData name="Chuck Kiefriter" userId="a996b49251c4dfd2" providerId="LiveId" clId="{ED8BE510-6C64-4890-946C-DC55BF82FC2C}" dt="2024-03-05T22:07:40.450" v="2" actId="14100"/>
@@ -164,14 +156,6 @@
           <pc:docMk/>
           <pc:sldMk cId="104339557" sldId="260"/>
         </pc:sldMkLst>
-        <pc:spChg chg="mod">
-          <ac:chgData name="Chuck Kiefriter" userId="a996b49251c4dfd2" providerId="LiveId" clId="{ED8BE510-6C64-4890-946C-DC55BF82FC2C}" dt="2024-03-05T22:07:40.450" v="2" actId="14100"/>
-          <ac:spMkLst>
-            <pc:docMk/>
-            <pc:sldMk cId="104339557" sldId="260"/>
-            <ac:spMk id="3" creationId="{846F491F-88DE-40B3-8D38-92F8BB901A37}"/>
-          </ac:spMkLst>
-        </pc:spChg>
       </pc:sldChg>
       <pc:sldChg chg="modSp mod">
         <pc:chgData name="Chuck Kiefriter" userId="a996b49251c4dfd2" providerId="LiveId" clId="{ED8BE510-6C64-4890-946C-DC55BF82FC2C}" dt="2024-03-05T22:08:27.706" v="3" actId="14100"/>
@@ -179,14 +163,6 @@
           <pc:docMk/>
           <pc:sldMk cId="4191197354" sldId="262"/>
         </pc:sldMkLst>
-        <pc:spChg chg="mod">
-          <ac:chgData name="Chuck Kiefriter" userId="a996b49251c4dfd2" providerId="LiveId" clId="{ED8BE510-6C64-4890-946C-DC55BF82FC2C}" dt="2024-03-05T22:08:27.706" v="3" actId="14100"/>
-          <ac:spMkLst>
-            <pc:docMk/>
-            <pc:sldMk cId="4191197354" sldId="262"/>
-            <ac:spMk id="3" creationId="{1E7DFD4A-E9D9-40C6-A5BC-DFB5B54F04B4}"/>
-          </ac:spMkLst>
-        </pc:spChg>
       </pc:sldChg>
       <pc:sldChg chg="modSp mod">
         <pc:chgData name="Chuck Kiefriter" userId="a996b49251c4dfd2" providerId="LiveId" clId="{ED8BE510-6C64-4890-946C-DC55BF82FC2C}" dt="2024-03-06T00:56:39.803" v="4" actId="14100"/>
@@ -194,12 +170,28 @@
           <pc:docMk/>
           <pc:sldMk cId="3662957125" sldId="263"/>
         </pc:sldMkLst>
+      </pc:sldChg>
+    </pc:docChg>
+  </pc:docChgLst>
+  <pc:docChgLst>
+    <pc:chgData name="Chuck Kiefriter" userId="a996b49251c4dfd2" providerId="LiveId" clId="{0570B0FF-AB5C-45D2-90A5-CBA45CEF9195}"/>
+    <pc:docChg chg="custSel modSld">
+      <pc:chgData name="Chuck Kiefriter" userId="a996b49251c4dfd2" providerId="LiveId" clId="{0570B0FF-AB5C-45D2-90A5-CBA45CEF9195}" dt="2025-06-19T23:56:54.016" v="7" actId="27636"/>
+      <pc:docMkLst>
+        <pc:docMk/>
+      </pc:docMkLst>
+      <pc:sldChg chg="modSp mod">
+        <pc:chgData name="Chuck Kiefriter" userId="a996b49251c4dfd2" providerId="LiveId" clId="{0570B0FF-AB5C-45D2-90A5-CBA45CEF9195}" dt="2025-06-19T23:56:54.016" v="7" actId="27636"/>
+        <pc:sldMkLst>
+          <pc:docMk/>
+          <pc:sldMk cId="4191197354" sldId="262"/>
+        </pc:sldMkLst>
         <pc:spChg chg="mod">
-          <ac:chgData name="Chuck Kiefriter" userId="a996b49251c4dfd2" providerId="LiveId" clId="{ED8BE510-6C64-4890-946C-DC55BF82FC2C}" dt="2024-03-06T00:56:39.803" v="4" actId="14100"/>
+          <ac:chgData name="Chuck Kiefriter" userId="a996b49251c4dfd2" providerId="LiveId" clId="{0570B0FF-AB5C-45D2-90A5-CBA45CEF9195}" dt="2025-06-19T23:56:54.016" v="7" actId="27636"/>
           <ac:spMkLst>
             <pc:docMk/>
-            <pc:sldMk cId="3662957125" sldId="263"/>
-            <ac:spMk id="3" creationId="{D5F6C126-2DE1-4484-A027-583E6FC886CA}"/>
+            <pc:sldMk cId="4191197354" sldId="262"/>
+            <ac:spMk id="3" creationId="{1E7DFD4A-E9D9-40C6-A5BC-DFB5B54F04B4}"/>
           </ac:spMkLst>
         </pc:spChg>
       </pc:sldChg>
@@ -404,7 +396,7 @@
           <a:p>
             <a:fld id="{548C5E67-172B-4F6A-B3B9-DEF72F952E5B}" type="datetimeFigureOut">
               <a:rPr lang="en-US" smtClean="0"/>
-              <a:t>3/5/2024</a:t>
+              <a:t>6/19/2025</a:t>
             </a:fld>
             <a:endParaRPr lang="en-US"/>
           </a:p>
@@ -628,7 +620,7 @@
           <a:p>
             <a:fld id="{548C5E67-172B-4F6A-B3B9-DEF72F952E5B}" type="datetimeFigureOut">
               <a:rPr lang="en-US" smtClean="0"/>
-              <a:t>3/5/2024</a:t>
+              <a:t>6/19/2025</a:t>
             </a:fld>
             <a:endParaRPr lang="en-US"/>
           </a:p>
@@ -808,7 +800,7 @@
           <a:p>
             <a:fld id="{548C5E67-172B-4F6A-B3B9-DEF72F952E5B}" type="datetimeFigureOut">
               <a:rPr lang="en-US" smtClean="0"/>
-              <a:t>3/5/2024</a:t>
+              <a:t>6/19/2025</a:t>
             </a:fld>
             <a:endParaRPr lang="en-US"/>
           </a:p>
@@ -1017,7 +1009,7 @@
           <a:p>
             <a:fld id="{548C5E67-172B-4F6A-B3B9-DEF72F952E5B}" type="datetimeFigureOut">
               <a:rPr lang="en-US" smtClean="0"/>
-              <a:t>3/5/2024</a:t>
+              <a:t>6/19/2025</a:t>
             </a:fld>
             <a:endParaRPr lang="en-US"/>
           </a:p>
@@ -1310,7 +1302,7 @@
           <a:p>
             <a:fld id="{548C5E67-172B-4F6A-B3B9-DEF72F952E5B}" type="datetimeFigureOut">
               <a:rPr lang="en-US" smtClean="0"/>
-              <a:t>3/5/2024</a:t>
+              <a:t>6/19/2025</a:t>
             </a:fld>
             <a:endParaRPr lang="en-US"/>
           </a:p>
@@ -1663,7 +1655,7 @@
           <a:p>
             <a:fld id="{548C5E67-172B-4F6A-B3B9-DEF72F952E5B}" type="datetimeFigureOut">
               <a:rPr lang="en-US" smtClean="0"/>
-              <a:t>3/5/2024</a:t>
+              <a:t>6/19/2025</a:t>
             </a:fld>
             <a:endParaRPr lang="en-US"/>
           </a:p>
@@ -2099,7 +2091,7 @@
           <a:p>
             <a:fld id="{548C5E67-172B-4F6A-B3B9-DEF72F952E5B}" type="datetimeFigureOut">
               <a:rPr lang="en-US" smtClean="0"/>
-              <a:t>3/5/2024</a:t>
+              <a:t>6/19/2025</a:t>
             </a:fld>
             <a:endParaRPr lang="en-US"/>
           </a:p>
@@ -2222,7 +2214,7 @@
           <a:p>
             <a:fld id="{548C5E67-172B-4F6A-B3B9-DEF72F952E5B}" type="datetimeFigureOut">
               <a:rPr lang="en-US" smtClean="0"/>
-              <a:t>3/5/2024</a:t>
+              <a:t>6/19/2025</a:t>
             </a:fld>
             <a:endParaRPr lang="en-US"/>
           </a:p>
@@ -2317,7 +2309,7 @@
           <a:p>
             <a:fld id="{548C5E67-172B-4F6A-B3B9-DEF72F952E5B}" type="datetimeFigureOut">
               <a:rPr lang="en-US" smtClean="0"/>
-              <a:t>3/5/2024</a:t>
+              <a:t>6/19/2025</a:t>
             </a:fld>
             <a:endParaRPr lang="en-US"/>
           </a:p>
@@ -2616,7 +2608,7 @@
           <a:p>
             <a:fld id="{548C5E67-172B-4F6A-B3B9-DEF72F952E5B}" type="datetimeFigureOut">
               <a:rPr lang="en-US" smtClean="0"/>
-              <a:t>3/5/2024</a:t>
+              <a:t>6/19/2025</a:t>
             </a:fld>
             <a:endParaRPr lang="en-US"/>
           </a:p>
@@ -2893,7 +2885,7 @@
           <a:p>
             <a:fld id="{548C5E67-172B-4F6A-B3B9-DEF72F952E5B}" type="datetimeFigureOut">
               <a:rPr lang="en-US" smtClean="0"/>
-              <a:t>3/5/2024</a:t>
+              <a:t>6/19/2025</a:t>
             </a:fld>
             <a:endParaRPr lang="en-US"/>
           </a:p>
@@ -3143,7 +3135,7 @@
           <a:p>
             <a:fld id="{548C5E67-172B-4F6A-B3B9-DEF72F952E5B}" type="datetimeFigureOut">
               <a:rPr lang="en-US" smtClean="0"/>
-              <a:t>3/5/2024</a:t>
+              <a:t>6/19/2025</a:t>
             </a:fld>
             <a:endParaRPr lang="en-US"/>
           </a:p>
@@ -4691,7 +4683,9 @@
           </a:xfrm>
         </p:spPr>
         <p:txBody>
-          <a:bodyPr/>
+          <a:bodyPr>
+            <a:normAutofit fontScale="92500" lnSpcReduction="10000"/>
+          </a:bodyPr>
           <a:lstStyle/>
           <a:p>
             <a:r>
@@ -4730,6 +4724,18 @@
             <a:r>
               <a:rPr lang="en-US" dirty="0"/>
               <a:t>Then</a:t>
+            </a:r>
+          </a:p>
+          <a:p>
+            <a:pPr marL="274320" lvl="1" indent="0">
+              <a:buNone/>
+            </a:pPr>
+            <a:br>
+              <a:rPr lang="en-US" dirty="0"/>
+            </a:br>
+            <a:r>
+              <a:rPr lang="en-US" dirty="0"/>
+              <a:t>(Given) some context. (When) some action is carried out. (Then) a particular set of observable consequences should obtain.</a:t>
             </a:r>
           </a:p>
         </p:txBody>
